--- a/The Billion Dolar Mistake.pptx
+++ b/The Billion Dolar Mistake.pptx
@@ -328,7 +328,7 @@
               <a:pPr>
                 <a:defRPr/>
               </a:pPr>
-              <a:t>15.1.2017 г.</a:t>
+              <a:t>16.1.2017 г.</a:t>
             </a:fld>
             <a:endParaRPr lang="bg-BG"/>
           </a:p>
@@ -420,6 +420,11 @@
         </p:txBody>
       </p:sp>
     </p:spTree>
+    <p:extLst>
+      <p:ext uri="{BB962C8B-B14F-4D97-AF65-F5344CB8AC3E}">
+        <p14:creationId xmlns:p14="http://schemas.microsoft.com/office/powerpoint/2010/main" val="804596496"/>
+      </p:ext>
+    </p:extLst>
   </p:cSld>
   <p:clrMap bg1="lt1" tx1="dk1" bg2="lt2" tx2="dk2" accent1="accent1" accent2="accent2" accent3="accent3" accent4="accent4" accent5="accent5" accent6="accent6" hlink="hlink" folHlink="folHlink"/>
 </p:handoutMaster>
@@ -537,7 +542,7 @@
               <a:pPr>
                 <a:defRPr/>
               </a:pPr>
-              <a:t>1/15/2017</a:t>
+              <a:t>1/16/2017</a:t>
             </a:fld>
             <a:endParaRPr lang="en-GB"/>
           </a:p>
@@ -723,6 +728,11 @@
         </p:txBody>
       </p:sp>
     </p:spTree>
+    <p:extLst>
+      <p:ext uri="{BB962C8B-B14F-4D97-AF65-F5344CB8AC3E}">
+        <p14:creationId xmlns:p14="http://schemas.microsoft.com/office/powerpoint/2010/main" val="3626587032"/>
+      </p:ext>
+    </p:extLst>
   </p:cSld>
   <p:clrMap bg1="lt1" tx1="dk1" bg2="lt2" tx2="dk2" accent1="accent1" accent2="accent2" accent3="accent3" accent4="accent4" accent5="accent5" accent6="accent6" hlink="hlink" folHlink="folHlink"/>
   <p:notesStyle>
@@ -1105,6 +1115,11 @@
         </p:txBody>
       </p:sp>
     </p:spTree>
+    <p:extLst>
+      <p:ext uri="{BB962C8B-B14F-4D97-AF65-F5344CB8AC3E}">
+        <p14:creationId xmlns:p14="http://schemas.microsoft.com/office/powerpoint/2010/main" val="3170519994"/>
+      </p:ext>
+    </p:extLst>
   </p:cSld>
   <p:clrMapOvr>
     <a:masterClrMapping/>
@@ -9618,11 +9633,6 @@
               </a:rPr>
               <a:t>Mistake</a:t>
             </a:r>
-            <a:endParaRPr lang="en-GB" sz="1500" b="0" dirty="0" smtClean="0">
-              <a:solidFill>
-                <a:schemeClr val="accent2"/>
-              </a:solidFill>
-            </a:endParaRPr>
           </a:p>
           <a:p>
             <a:pPr fontAlgn="auto">
@@ -9698,7 +9708,7 @@
                   <a:schemeClr val="accent2"/>
                 </a:solidFill>
               </a:rPr>
-              <a:t>Refactoring Away from Exceptions</a:t>
+              <a:t>Railway-oriented Programming</a:t>
             </a:r>
             <a:endParaRPr lang="en-GB" sz="1500" b="0" dirty="0" smtClean="0">
               <a:solidFill>

--- a/The Billion Dolar Mistake.pptx
+++ b/The Billion Dolar Mistake.pptx
@@ -328,7 +328,7 @@
               <a:pPr>
                 <a:defRPr/>
               </a:pPr>
-              <a:t>16.1.2017 г.</a:t>
+              <a:t>17.1.2017 г.</a:t>
             </a:fld>
             <a:endParaRPr lang="bg-BG"/>
           </a:p>
@@ -542,7 +542,7 @@
               <a:pPr>
                 <a:defRPr/>
               </a:pPr>
-              <a:t>1/16/2017</a:t>
+              <a:t>1/17/2017</a:t>
             </a:fld>
             <a:endParaRPr lang="en-GB"/>
           </a:p>
@@ -7714,7 +7714,27 @@
                 <a:latin typeface="Arial Black" charset="0"/>
                 <a:ea typeface="ＭＳ Ｐゴシック" charset="0"/>
               </a:rPr>
-              <a:t>January 2016</a:t>
+              <a:t>January </a:t>
+            </a:r>
+            <a:r>
+              <a:rPr lang="en-GB" sz="1600" dirty="0" smtClean="0">
+                <a:solidFill>
+                  <a:schemeClr val="accent2"/>
+                </a:solidFill>
+                <a:latin typeface="Arial Black" charset="0"/>
+                <a:ea typeface="ＭＳ Ｐゴシック" charset="0"/>
+              </a:rPr>
+              <a:t>201</a:t>
+            </a:r>
+            <a:r>
+              <a:rPr lang="bg-BG" sz="1600" smtClean="0">
+                <a:solidFill>
+                  <a:schemeClr val="accent2"/>
+                </a:solidFill>
+                <a:latin typeface="Arial Black" charset="0"/>
+                <a:ea typeface="ＭＳ Ｐゴシック" charset="0"/>
+              </a:rPr>
+              <a:t>7</a:t>
             </a:r>
             <a:endParaRPr lang="en-GB" sz="1600" dirty="0">
               <a:solidFill>
